--- a/Documents/Presentation/Fast Weighted Median Filtering.pptx
+++ b/Documents/Presentation/Fast Weighted Median Filtering.pptx
@@ -32,37 +32,38 @@
     <p:sldId id="277" r:id="rId27"/>
     <p:sldId id="278" r:id="rId28"/>
     <p:sldId id="279" r:id="rId29"/>
+    <p:sldId id="280" r:id="rId30"/>
   </p:sldIdLst>
   <p:sldSz cy="5143500" cx="9144000"/>
   <p:notesSz cx="6858000" cy="9144000"/>
   <p:embeddedFontLst>
     <p:embeddedFont>
       <p:font typeface="Economica"/>
-      <p:regular r:id="rId30"/>
-      <p:bold r:id="rId31"/>
-      <p:italic r:id="rId32"/>
-      <p:boldItalic r:id="rId33"/>
+      <p:regular r:id="rId31"/>
+      <p:bold r:id="rId32"/>
+      <p:italic r:id="rId33"/>
+      <p:boldItalic r:id="rId34"/>
     </p:embeddedFont>
     <p:embeddedFont>
       <p:font typeface="Roboto"/>
-      <p:regular r:id="rId34"/>
-      <p:bold r:id="rId35"/>
-      <p:italic r:id="rId36"/>
-      <p:boldItalic r:id="rId37"/>
+      <p:regular r:id="rId35"/>
+      <p:bold r:id="rId36"/>
+      <p:italic r:id="rId37"/>
+      <p:boldItalic r:id="rId38"/>
     </p:embeddedFont>
     <p:embeddedFont>
       <p:font typeface="Lato"/>
-      <p:regular r:id="rId38"/>
-      <p:bold r:id="rId39"/>
-      <p:italic r:id="rId40"/>
-      <p:boldItalic r:id="rId41"/>
+      <p:regular r:id="rId39"/>
+      <p:bold r:id="rId40"/>
+      <p:italic r:id="rId41"/>
+      <p:boldItalic r:id="rId42"/>
     </p:embeddedFont>
     <p:embeddedFont>
       <p:font typeface="Open Sans"/>
-      <p:regular r:id="rId42"/>
-      <p:bold r:id="rId43"/>
-      <p:italic r:id="rId44"/>
-      <p:boldItalic r:id="rId45"/>
+      <p:regular r:id="rId43"/>
+      <p:bold r:id="rId44"/>
+      <p:italic r:id="rId45"/>
+      <p:boldItalic r:id="rId46"/>
     </p:embeddedFont>
   </p:embeddedFontLst>
   <p:defaultTextStyle>
@@ -1748,7 +1749,7 @@
       </p:grpSpPr>
       <p:sp>
         <p:nvSpPr>
-          <p:cNvPr id="215" name="Google Shape;215;g793417fdf8_5_61:notes"/>
+          <p:cNvPr id="215" name="Google Shape;215;g793417fdf8_9_0:notes"/>
           <p:cNvSpPr/>
           <p:nvPr>
             <p:ph idx="2" type="sldImg"/>
@@ -1783,7 +1784,7 @@
       </p:sp>
       <p:sp>
         <p:nvSpPr>
-          <p:cNvPr id="216" name="Google Shape;216;g793417fdf8_5_61:notes"/>
+          <p:cNvPr id="216" name="Google Shape;216;g793417fdf8_9_0:notes"/>
           <p:cNvSpPr txBox="1"/>
           <p:nvPr>
             <p:ph idx="1" type="body"/>
@@ -1932,7 +1933,7 @@
   <p:cSld>
     <p:spTree>
       <p:nvGrpSpPr>
-        <p:cNvPr id="220" name="Shape 220"/>
+        <p:cNvPr id="221" name="Shape 221"/>
         <p:cNvGrpSpPr/>
         <p:nvPr/>
       </p:nvGrpSpPr>
@@ -1946,7 +1947,7 @@
       </p:grpSpPr>
       <p:sp>
         <p:nvSpPr>
-          <p:cNvPr id="221" name="Google Shape;221;g793417fdf8_5_65:notes"/>
+          <p:cNvPr id="222" name="Google Shape;222;g793417fdf8_5_61:notes"/>
           <p:cNvSpPr/>
           <p:nvPr>
             <p:ph idx="2" type="sldImg"/>
@@ -1981,7 +1982,7 @@
       </p:sp>
       <p:sp>
         <p:nvSpPr>
-          <p:cNvPr id="222" name="Google Shape;222;g793417fdf8_5_65:notes"/>
+          <p:cNvPr id="223" name="Google Shape;223;g793417fdf8_5_61:notes"/>
           <p:cNvSpPr txBox="1"/>
           <p:nvPr>
             <p:ph idx="1" type="body"/>
@@ -2045,7 +2046,7 @@
       </p:grpSpPr>
       <p:sp>
         <p:nvSpPr>
-          <p:cNvPr id="228" name="Google Shape;228;g793417fdf8_5_71:notes"/>
+          <p:cNvPr id="228" name="Google Shape;228;g793417fdf8_5_65:notes"/>
           <p:cNvSpPr/>
           <p:nvPr>
             <p:ph idx="2" type="sldImg"/>
@@ -2080,7 +2081,7 @@
       </p:sp>
       <p:sp>
         <p:nvSpPr>
-          <p:cNvPr id="229" name="Google Shape;229;g793417fdf8_5_71:notes"/>
+          <p:cNvPr id="229" name="Google Shape;229;g793417fdf8_5_65:notes"/>
           <p:cNvSpPr txBox="1"/>
           <p:nvPr>
             <p:ph idx="1" type="body"/>
@@ -2144,7 +2145,7 @@
       </p:grpSpPr>
       <p:sp>
         <p:nvSpPr>
-          <p:cNvPr id="235" name="Google Shape;235;g793417fdf8_5_83:notes"/>
+          <p:cNvPr id="235" name="Google Shape;235;g793417fdf8_5_71:notes"/>
           <p:cNvSpPr/>
           <p:nvPr>
             <p:ph idx="2" type="sldImg"/>
@@ -2179,7 +2180,7 @@
       </p:sp>
       <p:sp>
         <p:nvSpPr>
-          <p:cNvPr id="236" name="Google Shape;236;g793417fdf8_5_83:notes"/>
+          <p:cNvPr id="236" name="Google Shape;236;g793417fdf8_5_71:notes"/>
           <p:cNvSpPr txBox="1"/>
           <p:nvPr>
             <p:ph idx="1" type="body"/>
@@ -2243,7 +2244,7 @@
       </p:grpSpPr>
       <p:sp>
         <p:nvSpPr>
-          <p:cNvPr id="242" name="Google Shape;242;g793417fdf8_5_77:notes"/>
+          <p:cNvPr id="242" name="Google Shape;242;g793417fdf8_5_83:notes"/>
           <p:cNvSpPr/>
           <p:nvPr>
             <p:ph idx="2" type="sldImg"/>
@@ -2278,7 +2279,7 @@
       </p:sp>
       <p:sp>
         <p:nvSpPr>
-          <p:cNvPr id="243" name="Google Shape;243;g793417fdf8_5_77:notes"/>
+          <p:cNvPr id="243" name="Google Shape;243;g793417fdf8_5_83:notes"/>
           <p:cNvSpPr txBox="1"/>
           <p:nvPr>
             <p:ph idx="1" type="body"/>
@@ -2342,7 +2343,7 @@
       </p:grpSpPr>
       <p:sp>
         <p:nvSpPr>
-          <p:cNvPr id="249" name="Google Shape;249;g7931eccb8b_0_7:notes"/>
+          <p:cNvPr id="249" name="Google Shape;249;g793417fdf8_5_77:notes"/>
           <p:cNvSpPr/>
           <p:nvPr>
             <p:ph idx="2" type="sldImg"/>
@@ -2377,7 +2378,106 @@
       </p:sp>
       <p:sp>
         <p:nvSpPr>
-          <p:cNvPr id="250" name="Google Shape;250;g7931eccb8b_0_7:notes"/>
+          <p:cNvPr id="250" name="Google Shape;250;g793417fdf8_5_77:notes"/>
+          <p:cNvSpPr txBox="1"/>
+          <p:nvPr>
+            <p:ph idx="1" type="body"/>
+          </p:nvPr>
+        </p:nvSpPr>
+        <p:spPr>
+          <a:xfrm>
+            <a:off x="685800" y="4343400"/>
+            <a:ext cx="5486400" cy="4114800"/>
+          </a:xfrm>
+          <a:prstGeom prst="rect">
+            <a:avLst/>
+          </a:prstGeom>
+        </p:spPr>
+        <p:txBody>
+          <a:bodyPr anchorCtr="0" anchor="t" bIns="91425" lIns="91425" spcFirstLastPara="1" rIns="91425" wrap="square" tIns="91425">
+            <a:noAutofit/>
+          </a:bodyPr>
+          <a:lstStyle/>
+          <a:p>
+            <a:pPr indent="0" lvl="0" marL="0" rtl="0" algn="l">
+              <a:spcBef>
+                <a:spcPts val="0"/>
+              </a:spcBef>
+              <a:spcAft>
+                <a:spcPts val="0"/>
+              </a:spcAft>
+              <a:buNone/>
+            </a:pPr>
+            <a:r>
+              <a:t/>
+            </a:r>
+            <a:endParaRPr/>
+          </a:p>
+        </p:txBody>
+      </p:sp>
+    </p:spTree>
+  </p:cSld>
+  <p:clrMapOvr>
+    <a:masterClrMapping/>
+  </p:clrMapOvr>
+</p:notes>
+</file>
+
+<file path=ppt/notesSlides/notesSlide25.xml><?xml version="1.0" encoding="utf-8"?>
+<p:notes xmlns:a="http://schemas.openxmlformats.org/drawingml/2006/main" xmlns:r="http://schemas.openxmlformats.org/officeDocument/2006/relationships" xmlns:mc="http://schemas.openxmlformats.org/markup-compatibility/2006" xmlns:mv="urn:schemas-microsoft-com:mac:vml" xmlns:p="http://schemas.openxmlformats.org/presentationml/2006/main" xmlns:c="http://schemas.openxmlformats.org/drawingml/2006/chart" xmlns:dgm="http://schemas.openxmlformats.org/drawingml/2006/diagram" xmlns:o="urn:schemas-microsoft-com:office:office" xmlns:v="urn:schemas-microsoft-com:vml" xmlns:pvml="urn:schemas-microsoft-com:office:powerpoint" xmlns:com="http://schemas.openxmlformats.org/drawingml/2006/compatibility" xmlns:p14="http://schemas.microsoft.com/office/powerpoint/2010/main" xmlns:p15="http://schemas.microsoft.com/office/powerpoint/2012/main" showMasterPhAnim="0" showMasterSp="0">
+  <p:cSld>
+    <p:spTree>
+      <p:nvGrpSpPr>
+        <p:cNvPr id="255" name="Shape 255"/>
+        <p:cNvGrpSpPr/>
+        <p:nvPr/>
+      </p:nvGrpSpPr>
+      <p:grpSpPr>
+        <a:xfrm>
+          <a:off x="0" y="0"/>
+          <a:ext cx="0" cy="0"/>
+          <a:chOff x="0" y="0"/>
+          <a:chExt cx="0" cy="0"/>
+        </a:xfrm>
+      </p:grpSpPr>
+      <p:sp>
+        <p:nvSpPr>
+          <p:cNvPr id="256" name="Google Shape;256;g7931eccb8b_0_7:notes"/>
+          <p:cNvSpPr/>
+          <p:nvPr>
+            <p:ph idx="2" type="sldImg"/>
+          </p:nvPr>
+        </p:nvSpPr>
+        <p:spPr>
+          <a:xfrm>
+            <a:off x="381300" y="685800"/>
+            <a:ext cx="6096000" cy="3429000"/>
+          </a:xfrm>
+          <a:custGeom>
+            <a:rect b="b" l="l" r="r" t="t"/>
+            <a:pathLst>
+              <a:path extrusionOk="0" h="120000" w="120000">
+                <a:moveTo>
+                  <a:pt x="0" y="0"/>
+                </a:moveTo>
+                <a:lnTo>
+                  <a:pt x="120000" y="0"/>
+                </a:lnTo>
+                <a:lnTo>
+                  <a:pt x="120000" y="120000"/>
+                </a:lnTo>
+                <a:lnTo>
+                  <a:pt x="0" y="120000"/>
+                </a:lnTo>
+                <a:close/>
+              </a:path>
+            </a:pathLst>
+          </a:custGeom>
+        </p:spPr>
+      </p:sp>
+      <p:sp>
+        <p:nvSpPr>
+          <p:cNvPr id="257" name="Google Shape;257;g7931eccb8b_0_7:notes"/>
           <p:cNvSpPr txBox="1"/>
           <p:nvPr>
             <p:ph idx="1" type="body"/>
@@ -12476,7 +12576,7 @@
         </p:nvSpPr>
         <p:spPr>
           <a:xfrm>
-            <a:off x="216975" y="1869375"/>
+            <a:off x="311700" y="423575"/>
             <a:ext cx="8520600" cy="831300"/>
           </a:xfrm>
           <a:prstGeom prst="rect">
@@ -12489,7 +12589,7 @@
           </a:bodyPr>
           <a:lstStyle/>
           <a:p>
-            <a:pPr indent="0" lvl="0" marL="0" rtl="0" algn="ctr">
+            <a:pPr indent="0" lvl="0" marL="0" rtl="0" algn="l">
               <a:spcBef>
                 <a:spcPts val="0"/>
               </a:spcBef>
@@ -12500,7 +12600,11 @@
             </a:pPr>
             <a:r>
               <a:rPr lang="en-GB"/>
-              <a:t>Analysis</a:t>
+              <a:t>Improve</a:t>
+            </a:r>
+            <a:r>
+              <a:rPr lang="en-GB"/>
+              <a:t> Disparity Map </a:t>
             </a:r>
             <a:endParaRPr/>
           </a:p>
@@ -12522,8 +12626,35 @@
         </p:blipFill>
         <p:spPr>
           <a:xfrm>
-            <a:off x="2359475" y="1734775"/>
-            <a:ext cx="1090049" cy="1238700"/>
+            <a:off x="478475" y="1413025"/>
+            <a:ext cx="3902150" cy="2640450"/>
+          </a:xfrm>
+          <a:prstGeom prst="rect">
+            <a:avLst/>
+          </a:prstGeom>
+          <a:noFill/>
+          <a:ln>
+            <a:noFill/>
+          </a:ln>
+        </p:spPr>
+      </p:pic>
+      <p:pic>
+        <p:nvPicPr>
+          <p:cNvPr id="220" name="Google Shape;220;p33"/>
+          <p:cNvPicPr preferRelativeResize="0"/>
+          <p:nvPr/>
+        </p:nvPicPr>
+        <p:blipFill rotWithShape="1">
+          <a:blip r:embed="rId4">
+            <a:alphaModFix/>
+          </a:blip>
+          <a:srcRect b="0" l="0" r="2553" t="0"/>
+          <a:stretch/>
+        </p:blipFill>
+        <p:spPr>
+          <a:xfrm>
+            <a:off x="4928200" y="1413025"/>
+            <a:ext cx="3902150" cy="2640450"/>
           </a:xfrm>
           <a:prstGeom prst="rect">
             <a:avLst/>
@@ -12950,7 +13081,7 @@
   <p:cSld>
     <p:spTree>
       <p:nvGrpSpPr>
-        <p:cNvPr id="223" name="Shape 223"/>
+        <p:cNvPr id="224" name="Shape 224"/>
         <p:cNvGrpSpPr/>
         <p:nvPr/>
       </p:nvGrpSpPr>
@@ -12964,7 +13095,7 @@
       </p:grpSpPr>
       <p:sp>
         <p:nvSpPr>
-          <p:cNvPr id="224" name="Google Shape;224;p34"/>
+          <p:cNvPr id="225" name="Google Shape;225;p34"/>
           <p:cNvSpPr txBox="1"/>
           <p:nvPr>
             <p:ph type="title"/>
@@ -12972,7 +13103,7 @@
         </p:nvSpPr>
         <p:spPr>
           <a:xfrm>
-            <a:off x="311700" y="315925"/>
+            <a:off x="216975" y="1869375"/>
             <a:ext cx="8520600" cy="831300"/>
           </a:xfrm>
           <a:prstGeom prst="rect">
@@ -12985,7 +13116,7 @@
           </a:bodyPr>
           <a:lstStyle/>
           <a:p>
-            <a:pPr indent="0" lvl="0" marL="0" rtl="0" algn="l">
+            <a:pPr indent="0" lvl="0" marL="0" rtl="0" algn="ctr">
               <a:spcBef>
                 <a:spcPts val="0"/>
               </a:spcBef>
@@ -12996,7 +13127,7 @@
             </a:pPr>
             <a:r>
               <a:rPr lang="en-GB"/>
-              <a:t>Time Vs kernel Size</a:t>
+              <a:t>Analysis</a:t>
             </a:r>
             <a:endParaRPr/>
           </a:p>
@@ -13004,45 +13135,12 @@
       </p:sp>
       <p:pic>
         <p:nvPicPr>
-          <p:cNvPr id="225" name="Google Shape;225;p34"/>
-          <p:cNvPicPr preferRelativeResize="0"/>
-          <p:nvPr/>
-        </p:nvPicPr>
-        <p:blipFill rotWithShape="1">
-          <a:blip r:embed="rId3">
-            <a:alphaModFix/>
-          </a:blip>
-          <a:srcRect b="3441" l="7792" r="6948" t="6232"/>
-          <a:stretch/>
-        </p:blipFill>
-        <p:spPr>
-          <a:xfrm>
-            <a:off x="562200" y="1232050"/>
-            <a:ext cx="6901848" cy="3533624"/>
-          </a:xfrm>
-          <a:prstGeom prst="rect">
-            <a:avLst/>
-          </a:prstGeom>
-          <a:noFill/>
-          <a:ln cap="flat" cmpd="sng" w="19050">
-            <a:solidFill>
-              <a:schemeClr val="dk2"/>
-            </a:solidFill>
-            <a:prstDash val="solid"/>
-            <a:round/>
-            <a:headEnd len="sm" w="sm" type="none"/>
-            <a:tailEnd len="sm" w="sm" type="none"/>
-          </a:ln>
-        </p:spPr>
-      </p:pic>
-      <p:pic>
-        <p:nvPicPr>
           <p:cNvPr id="226" name="Google Shape;226;p34"/>
           <p:cNvPicPr preferRelativeResize="0"/>
           <p:nvPr/>
         </p:nvPicPr>
         <p:blipFill>
-          <a:blip r:embed="rId4">
+          <a:blip r:embed="rId3">
             <a:alphaModFix/>
           </a:blip>
           <a:stretch>
@@ -13051,8 +13149,8 @@
         </p:blipFill>
         <p:spPr>
           <a:xfrm>
-            <a:off x="7595950" y="1470125"/>
-            <a:ext cx="1243251" cy="433254"/>
+            <a:off x="2359475" y="1734775"/>
+            <a:ext cx="1090049" cy="1238700"/>
           </a:xfrm>
           <a:prstGeom prst="rect">
             <a:avLst/>
@@ -13122,7 +13220,7 @@
             </a:pPr>
             <a:r>
               <a:rPr lang="en-GB"/>
-              <a:t>Time Vs Image Size (Scale)</a:t>
+              <a:t>Time Vs kernel Size</a:t>
             </a:r>
             <a:endParaRPr/>
           </a:p>
@@ -13138,13 +13236,13 @@
           <a:blip r:embed="rId3">
             <a:alphaModFix/>
           </a:blip>
-          <a:srcRect b="4472" l="6898" r="8355" t="5720"/>
+          <a:srcRect b="3441" l="7792" r="6948" t="6232"/>
           <a:stretch/>
         </p:blipFill>
         <p:spPr>
           <a:xfrm>
-            <a:off x="540950" y="1267925"/>
-            <a:ext cx="6884501" cy="3624550"/>
+            <a:off x="562200" y="1232050"/>
+            <a:ext cx="6901848" cy="3533624"/>
           </a:xfrm>
           <a:prstGeom prst="rect">
             <a:avLst/>
@@ -13248,15 +13346,7 @@
             </a:pPr>
             <a:r>
               <a:rPr lang="en-GB"/>
-              <a:t>Time Vs kernel Size (</a:t>
-            </a:r>
-            <a:r>
-              <a:rPr lang="en-GB"/>
-              <a:t>Gaussian</a:t>
-            </a:r>
-            <a:r>
-              <a:rPr lang="en-GB"/>
-              <a:t> Kernel)</a:t>
+              <a:t>Time Vs Image Size (Scale)</a:t>
             </a:r>
             <a:endParaRPr/>
           </a:p>
@@ -13272,13 +13362,13 @@
           <a:blip r:embed="rId3">
             <a:alphaModFix/>
           </a:blip>
-          <a:srcRect b="3964" l="8684" r="8997" t="5717"/>
+          <a:srcRect b="4472" l="6898" r="8355" t="5720"/>
           <a:stretch/>
         </p:blipFill>
         <p:spPr>
           <a:xfrm>
-            <a:off x="562200" y="1279900"/>
-            <a:ext cx="6911573" cy="3604800"/>
+            <a:off x="540950" y="1267925"/>
+            <a:ext cx="6884501" cy="3624550"/>
           </a:xfrm>
           <a:prstGeom prst="rect">
             <a:avLst/>
@@ -13311,7 +13401,7 @@
         </p:blipFill>
         <p:spPr>
           <a:xfrm>
-            <a:off x="7652775" y="1489050"/>
+            <a:off x="7595950" y="1470125"/>
             <a:ext cx="1243251" cy="433254"/>
           </a:xfrm>
           <a:prstGeom prst="rect">
@@ -13382,7 +13472,15 @@
             </a:pPr>
             <a:r>
               <a:rPr lang="en-GB"/>
-              <a:t>Time Vs Image Size (Gaussian Kernel)</a:t>
+              <a:t>Time Vs kernel Size (</a:t>
+            </a:r>
+            <a:r>
+              <a:rPr lang="en-GB"/>
+              <a:t>Gaussian</a:t>
+            </a:r>
+            <a:r>
+              <a:rPr lang="en-GB"/>
+              <a:t> Kernel)</a:t>
             </a:r>
             <a:endParaRPr/>
           </a:p>
@@ -13398,13 +13496,13 @@
           <a:blip r:embed="rId3">
             <a:alphaModFix/>
           </a:blip>
-          <a:srcRect b="4466" l="8433" r="8475" t="7775"/>
+          <a:srcRect b="3964" l="8684" r="8997" t="5717"/>
           <a:stretch/>
         </p:blipFill>
         <p:spPr>
           <a:xfrm>
-            <a:off x="562200" y="1147225"/>
-            <a:ext cx="6885523" cy="3733126"/>
+            <a:off x="562200" y="1279900"/>
+            <a:ext cx="6911573" cy="3604800"/>
           </a:xfrm>
           <a:prstGeom prst="rect">
             <a:avLst/>
@@ -13437,7 +13535,7 @@
         </p:blipFill>
         <p:spPr>
           <a:xfrm>
-            <a:off x="7671725" y="1299625"/>
+            <a:off x="7652775" y="1489050"/>
             <a:ext cx="1243251" cy="433254"/>
           </a:xfrm>
           <a:prstGeom prst="rect">
@@ -13484,6 +13582,132 @@
         </p:nvSpPr>
         <p:spPr>
           <a:xfrm>
+            <a:off x="311700" y="315925"/>
+            <a:ext cx="8520600" cy="831300"/>
+          </a:xfrm>
+          <a:prstGeom prst="rect">
+            <a:avLst/>
+          </a:prstGeom>
+        </p:spPr>
+        <p:txBody>
+          <a:bodyPr anchorCtr="0" anchor="b" bIns="91425" lIns="91425" spcFirstLastPara="1" rIns="91425" wrap="square" tIns="91425">
+            <a:noAutofit/>
+          </a:bodyPr>
+          <a:lstStyle/>
+          <a:p>
+            <a:pPr indent="0" lvl="0" marL="0" rtl="0" algn="l">
+              <a:spcBef>
+                <a:spcPts val="0"/>
+              </a:spcBef>
+              <a:spcAft>
+                <a:spcPts val="0"/>
+              </a:spcAft>
+              <a:buNone/>
+            </a:pPr>
+            <a:r>
+              <a:rPr lang="en-GB"/>
+              <a:t>Time Vs Image Size (Gaussian Kernel)</a:t>
+            </a:r>
+            <a:endParaRPr/>
+          </a:p>
+        </p:txBody>
+      </p:sp>
+      <p:pic>
+        <p:nvPicPr>
+          <p:cNvPr id="253" name="Google Shape;253;p38"/>
+          <p:cNvPicPr preferRelativeResize="0"/>
+          <p:nvPr/>
+        </p:nvPicPr>
+        <p:blipFill rotWithShape="1">
+          <a:blip r:embed="rId3">
+            <a:alphaModFix/>
+          </a:blip>
+          <a:srcRect b="4466" l="8433" r="8475" t="7775"/>
+          <a:stretch/>
+        </p:blipFill>
+        <p:spPr>
+          <a:xfrm>
+            <a:off x="562200" y="1147225"/>
+            <a:ext cx="6885523" cy="3733126"/>
+          </a:xfrm>
+          <a:prstGeom prst="rect">
+            <a:avLst/>
+          </a:prstGeom>
+          <a:noFill/>
+          <a:ln cap="flat" cmpd="sng" w="19050">
+            <a:solidFill>
+              <a:schemeClr val="dk2"/>
+            </a:solidFill>
+            <a:prstDash val="solid"/>
+            <a:round/>
+            <a:headEnd len="sm" w="sm" type="none"/>
+            <a:tailEnd len="sm" w="sm" type="none"/>
+          </a:ln>
+        </p:spPr>
+      </p:pic>
+      <p:pic>
+        <p:nvPicPr>
+          <p:cNvPr id="254" name="Google Shape;254;p38"/>
+          <p:cNvPicPr preferRelativeResize="0"/>
+          <p:nvPr/>
+        </p:nvPicPr>
+        <p:blipFill>
+          <a:blip r:embed="rId4">
+            <a:alphaModFix/>
+          </a:blip>
+          <a:stretch>
+            <a:fillRect/>
+          </a:stretch>
+        </p:blipFill>
+        <p:spPr>
+          <a:xfrm>
+            <a:off x="7671725" y="1299625"/>
+            <a:ext cx="1243251" cy="433254"/>
+          </a:xfrm>
+          <a:prstGeom prst="rect">
+            <a:avLst/>
+          </a:prstGeom>
+          <a:noFill/>
+          <a:ln>
+            <a:noFill/>
+          </a:ln>
+        </p:spPr>
+      </p:pic>
+    </p:spTree>
+  </p:cSld>
+  <p:clrMapOvr>
+    <a:masterClrMapping/>
+  </p:clrMapOvr>
+</p:sld>
+</file>
+
+<file path=ppt/slides/slide25.xml><?xml version="1.0" encoding="utf-8"?>
+<p:sld xmlns:a="http://schemas.openxmlformats.org/drawingml/2006/main" xmlns:r="http://schemas.openxmlformats.org/officeDocument/2006/relationships" xmlns:mc="http://schemas.openxmlformats.org/markup-compatibility/2006" xmlns:mv="urn:schemas-microsoft-com:mac:vml" xmlns:p="http://schemas.openxmlformats.org/presentationml/2006/main" xmlns:c="http://schemas.openxmlformats.org/drawingml/2006/chart" xmlns:dgm="http://schemas.openxmlformats.org/drawingml/2006/diagram" xmlns:o="urn:schemas-microsoft-com:office:office" xmlns:v="urn:schemas-microsoft-com:vml" xmlns:pvml="urn:schemas-microsoft-com:office:powerpoint" xmlns:com="http://schemas.openxmlformats.org/drawingml/2006/compatibility" xmlns:p14="http://schemas.microsoft.com/office/powerpoint/2010/main" xmlns:p15="http://schemas.microsoft.com/office/powerpoint/2012/main">
+  <p:cSld>
+    <p:spTree>
+      <p:nvGrpSpPr>
+        <p:cNvPr id="258" name="Shape 258"/>
+        <p:cNvGrpSpPr/>
+        <p:nvPr/>
+      </p:nvGrpSpPr>
+      <p:grpSpPr>
+        <a:xfrm>
+          <a:off x="0" y="0"/>
+          <a:ext cx="0" cy="0"/>
+          <a:chOff x="0" y="0"/>
+          <a:chExt cx="0" cy="0"/>
+        </a:xfrm>
+      </p:grpSpPr>
+      <p:sp>
+        <p:nvSpPr>
+          <p:cNvPr id="259" name="Google Shape;259;p39"/>
+          <p:cNvSpPr txBox="1"/>
+          <p:nvPr>
+            <p:ph type="title"/>
+          </p:nvPr>
+        </p:nvSpPr>
+        <p:spPr>
+          <a:xfrm>
             <a:off x="705725" y="393750"/>
             <a:ext cx="7630800" cy="790500"/>
           </a:xfrm>
@@ -13516,7 +13740,7 @@
       </p:sp>
       <p:sp>
         <p:nvSpPr>
-          <p:cNvPr id="253" name="Google Shape;253;p38"/>
+          <p:cNvPr id="260" name="Google Shape;260;p39"/>
           <p:cNvSpPr txBox="1"/>
           <p:nvPr>
             <p:ph idx="1" type="body"/>
